--- a/Git.pptx
+++ b/Git.pptx
@@ -19,20 +19,19 @@
     <p:sldId id="267" r:id="rId13"/>
     <p:sldId id="268" r:id="rId14"/>
     <p:sldId id="269" r:id="rId15"/>
-    <p:sldId id="270" r:id="rId16"/>
-    <p:sldId id="271" r:id="rId17"/>
-    <p:sldId id="274" r:id="rId18"/>
-    <p:sldId id="272" r:id="rId19"/>
-    <p:sldId id="275" r:id="rId20"/>
-    <p:sldId id="276" r:id="rId21"/>
-    <p:sldId id="273" r:id="rId22"/>
-    <p:sldId id="277" r:id="rId23"/>
-    <p:sldId id="278" r:id="rId24"/>
-    <p:sldId id="281" r:id="rId25"/>
-    <p:sldId id="279" r:id="rId26"/>
-    <p:sldId id="280" r:id="rId27"/>
-    <p:sldId id="282" r:id="rId28"/>
-    <p:sldId id="283" r:id="rId29"/>
+    <p:sldId id="271" r:id="rId16"/>
+    <p:sldId id="274" r:id="rId17"/>
+    <p:sldId id="272" r:id="rId18"/>
+    <p:sldId id="275" r:id="rId19"/>
+    <p:sldId id="276" r:id="rId20"/>
+    <p:sldId id="273" r:id="rId21"/>
+    <p:sldId id="277" r:id="rId22"/>
+    <p:sldId id="278" r:id="rId23"/>
+    <p:sldId id="281" r:id="rId24"/>
+    <p:sldId id="279" r:id="rId25"/>
+    <p:sldId id="280" r:id="rId26"/>
+    <p:sldId id="282" r:id="rId27"/>
+    <p:sldId id="283" r:id="rId28"/>
   </p:sldIdLst>
   <p:sldSz cx="12192000" cy="6858000"/>
   <p:notesSz cx="6858000" cy="9144000"/>
@@ -270,7 +269,7 @@
           <a:p>
             <a:fld id="{E84D0463-059E-45AD-BE45-7AC4F0017F25}" type="datetimeFigureOut">
               <a:rPr lang="en-US" smtClean="0"/>
-              <a:t>25/04/2021</a:t>
+              <a:t>26/04/2021</a:t>
             </a:fld>
             <a:endParaRPr lang="en-US"/>
           </a:p>
@@ -440,7 +439,7 @@
           <a:p>
             <a:fld id="{E84D0463-059E-45AD-BE45-7AC4F0017F25}" type="datetimeFigureOut">
               <a:rPr lang="en-US" smtClean="0"/>
-              <a:t>25/04/2021</a:t>
+              <a:t>26/04/2021</a:t>
             </a:fld>
             <a:endParaRPr lang="en-US"/>
           </a:p>
@@ -620,7 +619,7 @@
           <a:p>
             <a:fld id="{E84D0463-059E-45AD-BE45-7AC4F0017F25}" type="datetimeFigureOut">
               <a:rPr lang="en-US" smtClean="0"/>
-              <a:t>25/04/2021</a:t>
+              <a:t>26/04/2021</a:t>
             </a:fld>
             <a:endParaRPr lang="en-US"/>
           </a:p>
@@ -790,7 +789,7 @@
           <a:p>
             <a:fld id="{E84D0463-059E-45AD-BE45-7AC4F0017F25}" type="datetimeFigureOut">
               <a:rPr lang="en-US" smtClean="0"/>
-              <a:t>25/04/2021</a:t>
+              <a:t>26/04/2021</a:t>
             </a:fld>
             <a:endParaRPr lang="en-US"/>
           </a:p>
@@ -1036,7 +1035,7 @@
           <a:p>
             <a:fld id="{E84D0463-059E-45AD-BE45-7AC4F0017F25}" type="datetimeFigureOut">
               <a:rPr lang="en-US" smtClean="0"/>
-              <a:t>25/04/2021</a:t>
+              <a:t>26/04/2021</a:t>
             </a:fld>
             <a:endParaRPr lang="en-US"/>
           </a:p>
@@ -1268,7 +1267,7 @@
           <a:p>
             <a:fld id="{E84D0463-059E-45AD-BE45-7AC4F0017F25}" type="datetimeFigureOut">
               <a:rPr lang="en-US" smtClean="0"/>
-              <a:t>25/04/2021</a:t>
+              <a:t>26/04/2021</a:t>
             </a:fld>
             <a:endParaRPr lang="en-US"/>
           </a:p>
@@ -1635,7 +1634,7 @@
           <a:p>
             <a:fld id="{E84D0463-059E-45AD-BE45-7AC4F0017F25}" type="datetimeFigureOut">
               <a:rPr lang="en-US" smtClean="0"/>
-              <a:t>25/04/2021</a:t>
+              <a:t>26/04/2021</a:t>
             </a:fld>
             <a:endParaRPr lang="en-US"/>
           </a:p>
@@ -1753,7 +1752,7 @@
           <a:p>
             <a:fld id="{E84D0463-059E-45AD-BE45-7AC4F0017F25}" type="datetimeFigureOut">
               <a:rPr lang="en-US" smtClean="0"/>
-              <a:t>25/04/2021</a:t>
+              <a:t>26/04/2021</a:t>
             </a:fld>
             <a:endParaRPr lang="en-US"/>
           </a:p>
@@ -1848,7 +1847,7 @@
           <a:p>
             <a:fld id="{E84D0463-059E-45AD-BE45-7AC4F0017F25}" type="datetimeFigureOut">
               <a:rPr lang="en-US" smtClean="0"/>
-              <a:t>25/04/2021</a:t>
+              <a:t>26/04/2021</a:t>
             </a:fld>
             <a:endParaRPr lang="en-US"/>
           </a:p>
@@ -2125,7 +2124,7 @@
           <a:p>
             <a:fld id="{E84D0463-059E-45AD-BE45-7AC4F0017F25}" type="datetimeFigureOut">
               <a:rPr lang="en-US" smtClean="0"/>
-              <a:t>25/04/2021</a:t>
+              <a:t>26/04/2021</a:t>
             </a:fld>
             <a:endParaRPr lang="en-US"/>
           </a:p>
@@ -2378,7 +2377,7 @@
           <a:p>
             <a:fld id="{E84D0463-059E-45AD-BE45-7AC4F0017F25}" type="datetimeFigureOut">
               <a:rPr lang="en-US" smtClean="0"/>
-              <a:t>25/04/2021</a:t>
+              <a:t>26/04/2021</a:t>
             </a:fld>
             <a:endParaRPr lang="en-US"/>
           </a:p>
@@ -2591,7 +2590,7 @@
           <a:p>
             <a:fld id="{E84D0463-059E-45AD-BE45-7AC4F0017F25}" type="datetimeFigureOut">
               <a:rPr lang="en-US" smtClean="0"/>
-              <a:t>25/04/2021</a:t>
+              <a:t>26/04/2021</a:t>
             </a:fld>
             <a:endParaRPr lang="en-US"/>
           </a:p>
@@ -5317,13 +5316,13 @@
           <a:lstStyle/>
           <a:p>
             <a:r>
+              <a:rPr lang="en-US" dirty="0" smtClean="0"/>
+              <a:t>How to install </a:t>
+            </a:r>
+            <a:r>
               <a:rPr lang="en-US" dirty="0" err="1" smtClean="0"/>
               <a:t>Git</a:t>
             </a:r>
-            <a:r>
-              <a:rPr lang="en-US" dirty="0" smtClean="0"/>
-              <a:t> -&gt; Part of Tech Stack</a:t>
-            </a:r>
             <a:endParaRPr lang="en-US" dirty="0"/>
           </a:p>
         </p:txBody>
@@ -5344,47 +5343,47 @@
           <a:lstStyle/>
           <a:p>
             <a:r>
-              <a:rPr lang="en-US" dirty="0" smtClean="0"/>
-              <a:t>GitHub</a:t>
-            </a:r>
-          </a:p>
-          <a:p>
-            <a:r>
-              <a:rPr lang="en-US" dirty="0" err="1"/>
-              <a:t>G</a:t>
-            </a:r>
-            <a:r>
-              <a:rPr lang="en-US" dirty="0" err="1" smtClean="0"/>
-              <a:t>itLab</a:t>
+              <a:rPr lang="en-US" dirty="0" smtClean="0">
+                <a:hlinkClick r:id="rId2"/>
+              </a:rPr>
+              <a:t>http://git-scm.com/</a:t>
             </a:r>
             <a:endParaRPr lang="en-US" dirty="0" smtClean="0"/>
           </a:p>
           <a:p>
             <a:r>
-              <a:rPr lang="en-US" dirty="0" err="1" smtClean="0"/>
-              <a:t>Bitbucket</a:t>
-            </a:r>
-            <a:endParaRPr lang="en-US" dirty="0" smtClean="0"/>
-          </a:p>
-          <a:p>
-            <a:r>
-              <a:rPr lang="en-US" dirty="0" smtClean="0"/>
-              <a:t>Azure</a:t>
-            </a:r>
-          </a:p>
-          <a:p>
-            <a:r>
-              <a:rPr lang="en-US" dirty="0" smtClean="0"/>
-              <a:t>AWS</a:t>
-            </a:r>
-            <a:endParaRPr lang="en-US" dirty="0"/>
+              <a:rPr lang="en-US" dirty="0"/>
+              <a:t>Latest source </a:t>
+            </a:r>
+            <a:r>
+              <a:rPr lang="en-US" dirty="0" smtClean="0"/>
+              <a:t>Release </a:t>
+            </a:r>
+            <a:r>
+              <a:rPr lang="en-US" b="1" dirty="0" smtClean="0"/>
+              <a:t>2.31.1</a:t>
+            </a:r>
+          </a:p>
+          <a:p>
+            <a:r>
+              <a:rPr lang="en-US" u="sng" dirty="0" smtClean="0"/>
+              <a:t>Release </a:t>
+            </a:r>
+            <a:r>
+              <a:rPr lang="en-US" u="sng" dirty="0"/>
+              <a:t>Notes</a:t>
+            </a:r>
+            <a:r>
+              <a:rPr lang="en-US" dirty="0"/>
+              <a:t> (2021-03-26)Download 2.31.1 for Windows</a:t>
+            </a:r>
           </a:p>
         </p:txBody>
       </p:sp>
     </p:spTree>
     <p:extLst>
       <p:ext uri="{BB962C8B-B14F-4D97-AF65-F5344CB8AC3E}">
-        <p14:creationId xmlns:p14="http://schemas.microsoft.com/office/powerpoint/2010/main" val="1913276807"/>
+        <p14:creationId xmlns:p14="http://schemas.microsoft.com/office/powerpoint/2010/main" val="2306628233"/>
       </p:ext>
     </p:extLst>
   </p:cSld>
@@ -5428,73 +5427,76 @@
           <a:p>
             <a:r>
               <a:rPr lang="en-US" dirty="0" smtClean="0"/>
-              <a:t>How to install </a:t>
+              <a:t>Demo: https://github.com/login</a:t>
+            </a:r>
+            <a:endParaRPr lang="en-US" dirty="0"/>
+          </a:p>
+        </p:txBody>
+      </p:sp>
+      <p:sp>
+        <p:nvSpPr>
+          <p:cNvPr id="3" name="Content Placeholder 2"/>
+          <p:cNvSpPr>
+            <a:spLocks noGrp="1"/>
+          </p:cNvSpPr>
+          <p:nvPr>
+            <p:ph idx="1"/>
+          </p:nvPr>
+        </p:nvSpPr>
+        <p:spPr/>
+        <p:txBody>
+          <a:bodyPr/>
+          <a:lstStyle/>
+          <a:p>
+            <a:r>
+              <a:rPr lang="en-US" dirty="0" smtClean="0"/>
+              <a:t>Create a Remote repository first.</a:t>
+            </a:r>
+          </a:p>
+          <a:p>
+            <a:r>
+              <a:rPr lang="en-US" dirty="0" smtClean="0"/>
+              <a:t>In Website : New rep-&gt; enter repo </a:t>
             </a:r>
             <a:r>
               <a:rPr lang="en-US" dirty="0" err="1" smtClean="0"/>
-              <a:t>Git</a:t>
-            </a:r>
+              <a:t>url</a:t>
+            </a:r>
+            <a:r>
+              <a:rPr lang="en-US" dirty="0" smtClean="0"/>
+              <a:t> name</a:t>
+            </a:r>
+          </a:p>
+          <a:p>
+            <a:r>
+              <a:rPr lang="en-US" dirty="0" smtClean="0"/>
+              <a:t>Enter desc</a:t>
+            </a:r>
+          </a:p>
+          <a:p>
+            <a:r>
+              <a:rPr lang="en-US" dirty="0" smtClean="0"/>
+              <a:t>Ensure Public is selected</a:t>
+            </a:r>
+          </a:p>
+          <a:p>
+            <a:r>
+              <a:rPr lang="en-US" dirty="0" smtClean="0"/>
+              <a:t>Click create</a:t>
+            </a:r>
+          </a:p>
+          <a:p>
+            <a:pPr marL="0" indent="0">
+              <a:buNone/>
+            </a:pPr>
             <a:endParaRPr lang="en-US" dirty="0"/>
-          </a:p>
-        </p:txBody>
-      </p:sp>
-      <p:sp>
-        <p:nvSpPr>
-          <p:cNvPr id="3" name="Content Placeholder 2"/>
-          <p:cNvSpPr>
-            <a:spLocks noGrp="1"/>
-          </p:cNvSpPr>
-          <p:nvPr>
-            <p:ph idx="1"/>
-          </p:nvPr>
-        </p:nvSpPr>
-        <p:spPr/>
-        <p:txBody>
-          <a:bodyPr/>
-          <a:lstStyle/>
-          <a:p>
-            <a:r>
-              <a:rPr lang="en-US" dirty="0" smtClean="0">
-                <a:hlinkClick r:id="rId2"/>
-              </a:rPr>
-              <a:t>http://git-scm.com/</a:t>
-            </a:r>
-            <a:endParaRPr lang="en-US" dirty="0" smtClean="0"/>
-          </a:p>
-          <a:p>
-            <a:r>
-              <a:rPr lang="en-US" dirty="0"/>
-              <a:t>Latest source </a:t>
-            </a:r>
-            <a:r>
-              <a:rPr lang="en-US" dirty="0" smtClean="0"/>
-              <a:t>Release </a:t>
-            </a:r>
-            <a:r>
-              <a:rPr lang="en-US" b="1" dirty="0" smtClean="0"/>
-              <a:t>2.31.1</a:t>
-            </a:r>
-          </a:p>
-          <a:p>
-            <a:r>
-              <a:rPr lang="en-US" u="sng" dirty="0" smtClean="0"/>
-              <a:t>Release </a:t>
-            </a:r>
-            <a:r>
-              <a:rPr lang="en-US" u="sng" dirty="0"/>
-              <a:t>Notes</a:t>
-            </a:r>
-            <a:r>
-              <a:rPr lang="en-US" dirty="0"/>
-              <a:t> (2021-03-26)Download 2.31.1 for Windows</a:t>
-            </a:r>
           </a:p>
         </p:txBody>
       </p:sp>
     </p:spTree>
     <p:extLst>
       <p:ext uri="{BB962C8B-B14F-4D97-AF65-F5344CB8AC3E}">
-        <p14:creationId xmlns:p14="http://schemas.microsoft.com/office/powerpoint/2010/main" val="2306628233"/>
+        <p14:creationId xmlns:p14="http://schemas.microsoft.com/office/powerpoint/2010/main" val="3897045491"/>
       </p:ext>
     </p:extLst>
   </p:cSld>
@@ -5538,7 +5540,7 @@
           <a:p>
             <a:r>
               <a:rPr lang="en-US" dirty="0" smtClean="0"/>
-              <a:t>Demo: https://github.com/login</a:t>
+              <a:t>Commands</a:t>
             </a:r>
             <a:endParaRPr lang="en-US" dirty="0"/>
           </a:p>
@@ -5556,58 +5558,152 @@
         </p:nvSpPr>
         <p:spPr/>
         <p:txBody>
-          <a:bodyPr/>
-          <a:lstStyle/>
-          <a:p>
-            <a:r>
-              <a:rPr lang="en-US" dirty="0" smtClean="0"/>
-              <a:t>Create a Remote repository first.</a:t>
-            </a:r>
-          </a:p>
-          <a:p>
-            <a:r>
-              <a:rPr lang="en-US" dirty="0" smtClean="0"/>
-              <a:t>In Website : New rep-&gt; enter repo </a:t>
+          <a:bodyPr>
+            <a:normAutofit fontScale="85000" lnSpcReduction="20000"/>
+          </a:bodyPr>
+          <a:lstStyle/>
+          <a:p>
+            <a:r>
+              <a:rPr lang="en-US" dirty="0" err="1" smtClean="0"/>
+              <a:t>git</a:t>
+            </a:r>
+            <a:r>
+              <a:rPr lang="en-US" dirty="0"/>
+              <a:t> </a:t>
+            </a:r>
+            <a:r>
+              <a:rPr lang="en-US" dirty="0" smtClean="0"/>
+              <a:t> - - version</a:t>
+            </a:r>
+          </a:p>
+          <a:p>
+            <a:r>
+              <a:rPr lang="en-US" dirty="0" err="1" smtClean="0"/>
+              <a:t>git</a:t>
+            </a:r>
+            <a:r>
+              <a:rPr lang="en-US" dirty="0" smtClean="0"/>
+              <a:t> clone repo-</a:t>
             </a:r>
             <a:r>
               <a:rPr lang="en-US" dirty="0" err="1" smtClean="0"/>
               <a:t>url</a:t>
             </a:r>
-            <a:r>
-              <a:rPr lang="en-US" dirty="0" smtClean="0"/>
-              <a:t> name</a:t>
-            </a:r>
-          </a:p>
-          <a:p>
-            <a:r>
-              <a:rPr lang="en-US" dirty="0" smtClean="0"/>
-              <a:t>Enter desc</a:t>
-            </a:r>
-          </a:p>
-          <a:p>
-            <a:r>
-              <a:rPr lang="en-US" dirty="0" smtClean="0"/>
-              <a:t>Ensure Public is selected</a:t>
-            </a:r>
-          </a:p>
-          <a:p>
-            <a:r>
-              <a:rPr lang="en-US" dirty="0" smtClean="0"/>
-              <a:t>Click create</a:t>
-            </a:r>
-          </a:p>
-          <a:p>
-            <a:pPr marL="0" indent="0">
-              <a:buNone/>
-            </a:pPr>
-            <a:endParaRPr lang="en-US" dirty="0"/>
+            <a:endParaRPr lang="en-US" dirty="0" smtClean="0"/>
+          </a:p>
+          <a:p>
+            <a:pPr lvl="1"/>
+            <a:r>
+              <a:rPr lang="en-US" dirty="0" smtClean="0"/>
+              <a:t>Hidden folder is created with the name .</a:t>
+            </a:r>
+            <a:r>
+              <a:rPr lang="en-US" dirty="0" err="1" smtClean="0"/>
+              <a:t>git</a:t>
+            </a:r>
+            <a:r>
+              <a:rPr lang="en-US" dirty="0" smtClean="0"/>
+              <a:t> (Which manages </a:t>
+            </a:r>
+            <a:r>
+              <a:rPr lang="en-US" dirty="0" err="1" smtClean="0"/>
+              <a:t>Git</a:t>
+            </a:r>
+            <a:r>
+              <a:rPr lang="en-US" dirty="0" smtClean="0"/>
+              <a:t>).</a:t>
+            </a:r>
+          </a:p>
+          <a:p>
+            <a:r>
+              <a:rPr lang="en-US" dirty="0" smtClean="0"/>
+              <a:t>cd &lt;repo name&gt;</a:t>
+            </a:r>
+          </a:p>
+          <a:p>
+            <a:r>
+              <a:rPr lang="en-US" dirty="0" smtClean="0"/>
+              <a:t>ls</a:t>
+            </a:r>
+          </a:p>
+          <a:p>
+            <a:r>
+              <a:rPr lang="en-US" dirty="0"/>
+              <a:t>t</a:t>
+            </a:r>
+            <a:r>
+              <a:rPr lang="en-US" dirty="0" smtClean="0"/>
+              <a:t>ouch readme.md</a:t>
+            </a:r>
+          </a:p>
+          <a:p>
+            <a:r>
+              <a:rPr lang="en-US" dirty="0"/>
+              <a:t>v</a:t>
+            </a:r>
+            <a:r>
+              <a:rPr lang="en-US" dirty="0" smtClean="0"/>
+              <a:t>i readme.md</a:t>
+            </a:r>
+          </a:p>
+          <a:p>
+            <a:pPr lvl="1"/>
+            <a:r>
+              <a:rPr lang="en-US" dirty="0" smtClean="0"/>
+              <a:t>Type the text and save the file</a:t>
+            </a:r>
+          </a:p>
+          <a:p>
+            <a:r>
+              <a:rPr lang="en-US" dirty="0"/>
+              <a:t>c</a:t>
+            </a:r>
+            <a:r>
+              <a:rPr lang="en-US" dirty="0" smtClean="0"/>
+              <a:t>at readme.md</a:t>
+            </a:r>
+          </a:p>
+          <a:p>
+            <a:r>
+              <a:rPr lang="en-US" dirty="0" err="1"/>
+              <a:t>g</a:t>
+            </a:r>
+            <a:r>
+              <a:rPr lang="en-US" dirty="0" err="1" smtClean="0"/>
+              <a:t>it</a:t>
+            </a:r>
+            <a:r>
+              <a:rPr lang="en-US" dirty="0" smtClean="0"/>
+              <a:t> log</a:t>
+            </a:r>
+          </a:p>
+          <a:p>
+            <a:r>
+              <a:rPr lang="en-US" dirty="0" err="1"/>
+              <a:t>g</a:t>
+            </a:r>
+            <a:r>
+              <a:rPr lang="en-US" dirty="0" err="1" smtClean="0"/>
+              <a:t>it</a:t>
+            </a:r>
+            <a:r>
+              <a:rPr lang="en-US" dirty="0" smtClean="0"/>
+              <a:t> status</a:t>
+            </a:r>
+          </a:p>
+          <a:p>
+            <a:pPr lvl="1"/>
+            <a:r>
+              <a:rPr lang="en-US" dirty="0" smtClean="0"/>
+              <a:t>Which gives result as untracked file</a:t>
+            </a:r>
           </a:p>
         </p:txBody>
       </p:sp>
     </p:spTree>
     <p:extLst>
       <p:ext uri="{BB962C8B-B14F-4D97-AF65-F5344CB8AC3E}">
-        <p14:creationId xmlns:p14="http://schemas.microsoft.com/office/powerpoint/2010/main" val="3897045491"/>
+        <p14:creationId xmlns:p14="http://schemas.microsoft.com/office/powerpoint/2010/main" val="404206686"/>
       </p:ext>
     </p:extLst>
   </p:cSld>
@@ -5650,8 +5746,12 @@
           <a:lstStyle/>
           <a:p>
             <a:r>
-              <a:rPr lang="en-US" dirty="0" smtClean="0"/>
-              <a:t>Commands</a:t>
+              <a:rPr lang="en-US" dirty="0"/>
+              <a:t>C</a:t>
+            </a:r>
+            <a:r>
+              <a:rPr lang="en-US" dirty="0" smtClean="0"/>
+              <a:t>ommands</a:t>
             </a:r>
             <a:endParaRPr lang="en-US" dirty="0"/>
           </a:p>
@@ -5670,7 +5770,7 @@
         <p:spPr/>
         <p:txBody>
           <a:bodyPr>
-            <a:normAutofit fontScale="85000" lnSpcReduction="20000"/>
+            <a:normAutofit fontScale="92500" lnSpcReduction="10000"/>
           </a:bodyPr>
           <a:lstStyle/>
           <a:p>
@@ -5679,12 +5779,29 @@
               <a:t>git</a:t>
             </a:r>
             <a:r>
+              <a:rPr lang="en-US" dirty="0" smtClean="0"/>
+              <a:t> add readme.md</a:t>
+            </a:r>
+          </a:p>
+          <a:p>
+            <a:r>
+              <a:rPr lang="en-US" dirty="0" err="1" smtClean="0"/>
+              <a:t>git</a:t>
+            </a:r>
+            <a:r>
+              <a:rPr lang="en-US" dirty="0" smtClean="0"/>
+              <a:t> status</a:t>
+            </a:r>
+          </a:p>
+          <a:p>
+            <a:pPr lvl="1"/>
+            <a:r>
               <a:rPr lang="en-US" dirty="0"/>
               <a:t> </a:t>
             </a:r>
             <a:r>
               <a:rPr lang="en-US" dirty="0" smtClean="0"/>
-              <a:t> - - version</a:t>
+              <a:t>No commit yet, changes to be committed</a:t>
             </a:r>
           </a:p>
           <a:p>
@@ -5694,47 +5811,52 @@
             </a:r>
             <a:r>
               <a:rPr lang="en-US" dirty="0" smtClean="0"/>
-              <a:t> clone repo-</a:t>
+              <a:t> commit –m ”Added readme.md”</a:t>
+            </a:r>
+          </a:p>
+          <a:p>
+            <a:r>
+              <a:rPr lang="en-US" dirty="0" err="1"/>
+              <a:t>g</a:t>
             </a:r>
             <a:r>
               <a:rPr lang="en-US" dirty="0" err="1" smtClean="0"/>
-              <a:t>url</a:t>
-            </a:r>
-            <a:endParaRPr lang="en-US" dirty="0" smtClean="0"/>
-          </a:p>
-          <a:p>
-            <a:pPr lvl="1"/>
-            <a:r>
-              <a:rPr lang="en-US" dirty="0" smtClean="0"/>
-              <a:t>Hidden folder is created with the name .</a:t>
+              <a:t>it</a:t>
+            </a:r>
+            <a:r>
+              <a:rPr lang="en-US" dirty="0" smtClean="0"/>
+              <a:t> status</a:t>
+            </a:r>
+          </a:p>
+          <a:p>
+            <a:r>
+              <a:rPr lang="en-US" dirty="0" err="1"/>
+              <a:t>g</a:t>
             </a:r>
             <a:r>
               <a:rPr lang="en-US" dirty="0" err="1" smtClean="0"/>
-              <a:t>git</a:t>
-            </a:r>
-            <a:r>
-              <a:rPr lang="en-US" dirty="0" smtClean="0"/>
-              <a:t> (Which manages </a:t>
-            </a:r>
-            <a:r>
-              <a:rPr lang="en-US" dirty="0" err="1" smtClean="0"/>
-              <a:t>Git</a:t>
-            </a:r>
-            <a:r>
-              <a:rPr lang="en-US" dirty="0" smtClean="0"/>
-              <a:t>).</a:t>
-            </a:r>
-          </a:p>
-          <a:p>
-            <a:r>
-              <a:rPr lang="en-US" dirty="0" smtClean="0"/>
-              <a:t>cd &lt;repo name&gt;</a:t>
-            </a:r>
-          </a:p>
-          <a:p>
-            <a:r>
-              <a:rPr lang="en-US" dirty="0" smtClean="0"/>
-              <a:t>ls</a:t>
+              <a:t>it</a:t>
+            </a:r>
+            <a:r>
+              <a:rPr lang="en-US" dirty="0" smtClean="0"/>
+              <a:t> push origin master</a:t>
+            </a:r>
+          </a:p>
+          <a:p>
+            <a:pPr marL="685800" lvl="2">
+              <a:spcBef>
+                <a:spcPts val="1000"/>
+              </a:spcBef>
+            </a:pPr>
+            <a:r>
+              <a:rPr lang="en-US" dirty="0" smtClean="0"/>
+              <a:t>From local what is the content of master branch to remote repo.</a:t>
+            </a:r>
+          </a:p>
+          <a:p>
+            <a:r>
+              <a:rPr lang="en-US" dirty="0" smtClean="0"/>
+              <a:t>Create another file sample.txt</a:t>
             </a:r>
           </a:p>
           <a:p>
@@ -5744,7 +5866,7 @@
             </a:r>
             <a:r>
               <a:rPr lang="en-US" dirty="0" smtClean="0"/>
-              <a:t>ouch readme.md</a:t>
+              <a:t>ouch sample.txt</a:t>
             </a:r>
           </a:p>
           <a:p>
@@ -5754,67 +5876,19 @@
             </a:r>
             <a:r>
               <a:rPr lang="en-US" dirty="0" smtClean="0"/>
-              <a:t>i readme.md</a:t>
+              <a:t>i sample.txt</a:t>
             </a:r>
           </a:p>
           <a:p>
             <a:pPr lvl="1"/>
-            <a:r>
-              <a:rPr lang="en-US" dirty="0" smtClean="0"/>
-              <a:t>Type the text and save the file</a:t>
-            </a:r>
-          </a:p>
-          <a:p>
-            <a:r>
-              <a:rPr lang="en-US" dirty="0"/>
-              <a:t>c</a:t>
-            </a:r>
-            <a:r>
-              <a:rPr lang="en-US" dirty="0" smtClean="0"/>
-              <a:t>at readme.md</a:t>
-            </a:r>
-          </a:p>
-          <a:p>
-            <a:r>
-              <a:rPr lang="en-US" dirty="0" err="1"/>
-              <a:t>g</a:t>
-            </a:r>
-            <a:r>
-              <a:rPr lang="en-US" dirty="0" err="1" smtClean="0"/>
-              <a:t>it</a:t>
-            </a:r>
-            <a:r>
-              <a:rPr lang="en-US" dirty="0" smtClean="0"/>
-              <a:t> log</a:t>
-            </a:r>
-          </a:p>
-          <a:p>
-            <a:r>
-              <a:rPr lang="en-US" dirty="0" err="1"/>
-              <a:t>g</a:t>
-            </a:r>
-            <a:r>
-              <a:rPr lang="en-US" dirty="0" err="1" smtClean="0"/>
-              <a:t>it</a:t>
-            </a:r>
-            <a:r>
-              <a:rPr lang="en-US" dirty="0" smtClean="0"/>
-              <a:t> status</a:t>
-            </a:r>
-          </a:p>
-          <a:p>
-            <a:pPr lvl="1"/>
-            <a:r>
-              <a:rPr lang="en-US" dirty="0" smtClean="0"/>
-              <a:t>Which gives result as untracked file</a:t>
-            </a:r>
+            <a:endParaRPr lang="en-US" dirty="0" smtClean="0"/>
           </a:p>
         </p:txBody>
       </p:sp>
     </p:spTree>
     <p:extLst>
       <p:ext uri="{BB962C8B-B14F-4D97-AF65-F5344CB8AC3E}">
-        <p14:creationId xmlns:p14="http://schemas.microsoft.com/office/powerpoint/2010/main" val="404206686"/>
+        <p14:creationId xmlns:p14="http://schemas.microsoft.com/office/powerpoint/2010/main" val="2225066005"/>
       </p:ext>
     </p:extLst>
   </p:cSld>
@@ -5881,9 +5955,29 @@
         <p:spPr/>
         <p:txBody>
           <a:bodyPr>
-            <a:normAutofit fontScale="92500" lnSpcReduction="10000"/>
+            <a:normAutofit lnSpcReduction="10000"/>
           </a:bodyPr>
           <a:lstStyle/>
+          <a:p>
+            <a:r>
+              <a:rPr lang="en-US" dirty="0" err="1"/>
+              <a:t>g</a:t>
+            </a:r>
+            <a:r>
+              <a:rPr lang="en-US" dirty="0" err="1" smtClean="0"/>
+              <a:t>it</a:t>
+            </a:r>
+            <a:r>
+              <a:rPr lang="en-US" dirty="0" smtClean="0"/>
+              <a:t> status</a:t>
+            </a:r>
+          </a:p>
+          <a:p>
+            <a:r>
+              <a:rPr lang="en-US" dirty="0" smtClean="0"/>
+              <a:t>vi readme.md</a:t>
+            </a:r>
+          </a:p>
           <a:p>
             <a:r>
               <a:rPr lang="en-US" dirty="0" err="1" smtClean="0"/>
@@ -5891,7 +5985,7 @@
             </a:r>
             <a:r>
               <a:rPr lang="en-US" dirty="0" smtClean="0"/>
-              <a:t> add readme.md</a:t>
+              <a:t> status</a:t>
             </a:r>
           </a:p>
           <a:p>
@@ -5901,18 +5995,7 @@
             </a:r>
             <a:r>
               <a:rPr lang="en-US" dirty="0" smtClean="0"/>
-              <a:t> status</a:t>
-            </a:r>
-          </a:p>
-          <a:p>
-            <a:pPr lvl="1"/>
-            <a:r>
-              <a:rPr lang="en-US" dirty="0"/>
-              <a:t> </a:t>
-            </a:r>
-            <a:r>
-              <a:rPr lang="en-US" dirty="0" smtClean="0"/>
-              <a:t>No commit yet, changes to be committed</a:t>
+              <a:t> add filename1  filename2</a:t>
             </a:r>
           </a:p>
           <a:p>
@@ -5922,7 +6005,37 @@
             </a:r>
             <a:r>
               <a:rPr lang="en-US" dirty="0" smtClean="0"/>
-              <a:t> commit –m ”Added readme.md”</a:t>
+              <a:t> add .  // to add all the file changes</a:t>
+            </a:r>
+          </a:p>
+          <a:p>
+            <a:r>
+              <a:rPr lang="en-US" dirty="0" err="1" smtClean="0"/>
+              <a:t>git</a:t>
+            </a:r>
+            <a:r>
+              <a:rPr lang="en-US" dirty="0" smtClean="0"/>
+              <a:t> status</a:t>
+            </a:r>
+          </a:p>
+          <a:p>
+            <a:r>
+              <a:rPr lang="en-US" dirty="0" err="1" smtClean="0"/>
+              <a:t>git</a:t>
+            </a:r>
+            <a:r>
+              <a:rPr lang="en-US" dirty="0" smtClean="0"/>
+              <a:t> commit –m “modified readme.md &amp; added sample.txt”</a:t>
+            </a:r>
+          </a:p>
+          <a:p>
+            <a:r>
+              <a:rPr lang="en-US" dirty="0" err="1" smtClean="0"/>
+              <a:t>git</a:t>
+            </a:r>
+            <a:r>
+              <a:rPr lang="en-US" dirty="0" smtClean="0"/>
+              <a:t> push origin master</a:t>
             </a:r>
           </a:p>
           <a:p>
@@ -5936,70 +6049,16 @@
             </a:r>
             <a:r>
               <a:rPr lang="en-US" dirty="0" smtClean="0"/>
-              <a:t> status</a:t>
-            </a:r>
-          </a:p>
-          <a:p>
-            <a:r>
-              <a:rPr lang="en-US" dirty="0" err="1"/>
-              <a:t>g</a:t>
-            </a:r>
-            <a:r>
-              <a:rPr lang="en-US" dirty="0" err="1" smtClean="0"/>
-              <a:t>it</a:t>
-            </a:r>
-            <a:r>
-              <a:rPr lang="en-US" dirty="0" smtClean="0"/>
-              <a:t> push origin master</a:t>
-            </a:r>
-          </a:p>
-          <a:p>
-            <a:pPr marL="685800" lvl="2">
-              <a:spcBef>
-                <a:spcPts val="1000"/>
-              </a:spcBef>
-            </a:pPr>
-            <a:r>
-              <a:rPr lang="en-US" dirty="0" smtClean="0"/>
-              <a:t>From local what is the content of master branch to remote repo.</a:t>
-            </a:r>
-          </a:p>
-          <a:p>
-            <a:r>
-              <a:rPr lang="en-US" dirty="0" smtClean="0"/>
-              <a:t>Create another file sample.txt</a:t>
-            </a:r>
-          </a:p>
-          <a:p>
-            <a:r>
-              <a:rPr lang="en-US" dirty="0"/>
-              <a:t>t</a:t>
-            </a:r>
-            <a:r>
-              <a:rPr lang="en-US" dirty="0" smtClean="0"/>
-              <a:t>ouch sample.txt</a:t>
-            </a:r>
-          </a:p>
-          <a:p>
-            <a:r>
-              <a:rPr lang="en-US" dirty="0"/>
-              <a:t>v</a:t>
-            </a:r>
-            <a:r>
-              <a:rPr lang="en-US" dirty="0" smtClean="0"/>
-              <a:t>i sample.txt</a:t>
-            </a:r>
-          </a:p>
-          <a:p>
-            <a:pPr lvl="1"/>
-            <a:endParaRPr lang="en-US" dirty="0" smtClean="0"/>
+              <a:t> log</a:t>
+            </a:r>
+            <a:endParaRPr lang="en-US" dirty="0"/>
           </a:p>
         </p:txBody>
       </p:sp>
     </p:spTree>
     <p:extLst>
       <p:ext uri="{BB962C8B-B14F-4D97-AF65-F5344CB8AC3E}">
-        <p14:creationId xmlns:p14="http://schemas.microsoft.com/office/powerpoint/2010/main" val="2225066005"/>
+        <p14:creationId xmlns:p14="http://schemas.microsoft.com/office/powerpoint/2010/main" val="1141972465"/>
       </p:ext>
     </p:extLst>
   </p:cSld>
@@ -6127,12 +6186,8 @@
           <a:lstStyle/>
           <a:p>
             <a:r>
-              <a:rPr lang="en-US" dirty="0"/>
-              <a:t>C</a:t>
-            </a:r>
-            <a:r>
-              <a:rPr lang="en-US" dirty="0" smtClean="0"/>
-              <a:t>ommands</a:t>
+              <a:rPr lang="en-US" dirty="0" smtClean="0"/>
+              <a:t>Reference </a:t>
             </a:r>
             <a:endParaRPr lang="en-US" dirty="0"/>
           </a:p>
@@ -6150,103 +6205,24 @@
         </p:nvSpPr>
         <p:spPr/>
         <p:txBody>
-          <a:bodyPr>
-            <a:normAutofit lnSpcReduction="10000"/>
-          </a:bodyPr>
-          <a:lstStyle/>
-          <a:p>
-            <a:r>
-              <a:rPr lang="en-US" dirty="0" err="1"/>
-              <a:t>g</a:t>
-            </a:r>
-            <a:r>
-              <a:rPr lang="en-US" dirty="0" err="1" smtClean="0"/>
-              <a:t>it</a:t>
-            </a:r>
-            <a:r>
-              <a:rPr lang="en-US" dirty="0" smtClean="0"/>
-              <a:t> status</a:t>
-            </a:r>
-          </a:p>
-          <a:p>
-            <a:r>
-              <a:rPr lang="en-US" dirty="0" smtClean="0"/>
-              <a:t>vi readme.md</a:t>
-            </a:r>
-          </a:p>
-          <a:p>
-            <a:r>
-              <a:rPr lang="en-US" dirty="0" err="1" smtClean="0"/>
-              <a:t>git</a:t>
-            </a:r>
-            <a:r>
-              <a:rPr lang="en-US" dirty="0" smtClean="0"/>
-              <a:t> status</a:t>
-            </a:r>
-          </a:p>
-          <a:p>
-            <a:r>
-              <a:rPr lang="en-US" dirty="0" err="1" smtClean="0"/>
-              <a:t>git</a:t>
-            </a:r>
-            <a:r>
-              <a:rPr lang="en-US" dirty="0" smtClean="0"/>
-              <a:t> add filename1  filename2</a:t>
-            </a:r>
-          </a:p>
-          <a:p>
-            <a:r>
-              <a:rPr lang="en-US" dirty="0" err="1" smtClean="0"/>
-              <a:t>git</a:t>
-            </a:r>
-            <a:r>
-              <a:rPr lang="en-US" dirty="0" smtClean="0"/>
-              <a:t> add .  // to add all the file changes</a:t>
-            </a:r>
-          </a:p>
-          <a:p>
-            <a:r>
-              <a:rPr lang="en-US" dirty="0" err="1" smtClean="0"/>
-              <a:t>git</a:t>
-            </a:r>
-            <a:r>
-              <a:rPr lang="en-US" dirty="0" smtClean="0"/>
-              <a:t> status</a:t>
-            </a:r>
-          </a:p>
-          <a:p>
-            <a:r>
-              <a:rPr lang="en-US" dirty="0" err="1" smtClean="0"/>
-              <a:t>git</a:t>
-            </a:r>
-            <a:r>
-              <a:rPr lang="en-US" dirty="0" smtClean="0"/>
-              <a:t> commit –m “modified readme.md &amp; added sample.txt”</a:t>
-            </a:r>
-          </a:p>
-          <a:p>
-            <a:r>
-              <a:rPr lang="en-US" dirty="0" err="1" smtClean="0"/>
-              <a:t>git</a:t>
-            </a:r>
-            <a:r>
-              <a:rPr lang="en-US" dirty="0" smtClean="0"/>
-              <a:t> push origin master</a:t>
-            </a:r>
-          </a:p>
-          <a:p>
-            <a:r>
-              <a:rPr lang="en-US" dirty="0" err="1"/>
-              <a:t>g</a:t>
-            </a:r>
-            <a:r>
-              <a:rPr lang="en-US" dirty="0" err="1" smtClean="0"/>
-              <a:t>it</a:t>
-            </a:r>
-            <a:r>
-              <a:rPr lang="en-US" dirty="0" smtClean="0"/>
-              <a:t> log</a:t>
-            </a:r>
+          <a:bodyPr/>
+          <a:lstStyle/>
+          <a:p>
+            <a:r>
+              <a:rPr lang="en-US" dirty="0" smtClean="0"/>
+              <a:t>Local Repository -&gt; isolated repository in our own machine where we can work on local version of project.</a:t>
+            </a:r>
+          </a:p>
+          <a:p>
+            <a:r>
+              <a:rPr lang="en-US" dirty="0" smtClean="0"/>
+              <a:t>Remote Repository-&gt; Stored on remote server, useful for teams working on a single project. This a place where you can share your project code, and we can view other developers code shared as public.</a:t>
+            </a:r>
+          </a:p>
+          <a:p>
+            <a:pPr marL="0" indent="0">
+              <a:buNone/>
+            </a:pPr>
             <a:endParaRPr lang="en-US" dirty="0"/>
           </a:p>
         </p:txBody>
@@ -6254,7 +6230,7 @@
     </p:spTree>
     <p:extLst>
       <p:ext uri="{BB962C8B-B14F-4D97-AF65-F5344CB8AC3E}">
-        <p14:creationId xmlns:p14="http://schemas.microsoft.com/office/powerpoint/2010/main" val="1141972465"/>
+        <p14:creationId xmlns:p14="http://schemas.microsoft.com/office/powerpoint/2010/main" val="925240655"/>
       </p:ext>
     </p:extLst>
   </p:cSld>
@@ -6298,7 +6274,7 @@
           <a:p>
             <a:r>
               <a:rPr lang="en-US" dirty="0" smtClean="0"/>
-              <a:t>Reference </a:t>
+              <a:t>Case study:</a:t>
             </a:r>
             <a:endParaRPr lang="en-US" dirty="0"/>
           </a:p>
@@ -6314,20 +6290,33 @@
             <p:ph idx="1"/>
           </p:nvPr>
         </p:nvSpPr>
-        <p:spPr/>
+        <p:spPr>
+          <a:xfrm>
+            <a:off x="873036" y="1825625"/>
+            <a:ext cx="10515600" cy="4351338"/>
+          </a:xfrm>
+        </p:spPr>
         <p:txBody>
           <a:bodyPr/>
           <a:lstStyle/>
           <a:p>
             <a:r>
               <a:rPr lang="en-US" dirty="0" smtClean="0"/>
-              <a:t>Local Repository -&gt; isolated repository in our own machine where we can work on local version of project.</a:t>
-            </a:r>
-          </a:p>
-          <a:p>
-            <a:r>
-              <a:rPr lang="en-US" dirty="0" smtClean="0"/>
-              <a:t>Remote Repository-&gt; Stored on remote server, useful for teams working on a single project. This a place where you can share your project code, and we can view other developers code shared as public.</a:t>
+              <a:t>3 developers (Sam, Sarah, David) required to develop Home page App </a:t>
+            </a:r>
+          </a:p>
+          <a:p>
+            <a:r>
+              <a:rPr lang="en-US" dirty="0" smtClean="0"/>
+              <a:t>1 Tech Lead (</a:t>
+            </a:r>
+            <a:r>
+              <a:rPr lang="en-US" dirty="0" err="1" smtClean="0"/>
+              <a:t>Jhon</a:t>
+            </a:r>
+            <a:r>
+              <a:rPr lang="en-US" dirty="0" smtClean="0"/>
+              <a:t>) -&gt; Created a Repo.</a:t>
             </a:r>
           </a:p>
           <a:p>
@@ -6338,10 +6327,520 @@
           </a:p>
         </p:txBody>
       </p:sp>
+      <p:cxnSp>
+        <p:nvCxnSpPr>
+          <p:cNvPr id="5" name="Straight Connector 4"/>
+          <p:cNvCxnSpPr/>
+          <p:nvPr/>
+        </p:nvCxnSpPr>
+        <p:spPr>
+          <a:xfrm>
+            <a:off x="1001486" y="4014651"/>
+            <a:ext cx="10119360" cy="0"/>
+          </a:xfrm>
+          <a:prstGeom prst="line">
+            <a:avLst/>
+          </a:prstGeom>
+        </p:spPr>
+        <p:style>
+          <a:lnRef idx="1">
+            <a:schemeClr val="accent1"/>
+          </a:lnRef>
+          <a:fillRef idx="0">
+            <a:schemeClr val="accent1"/>
+          </a:fillRef>
+          <a:effectRef idx="0">
+            <a:schemeClr val="accent1"/>
+          </a:effectRef>
+          <a:fontRef idx="minor">
+            <a:schemeClr val="tx1"/>
+          </a:fontRef>
+        </p:style>
+      </p:cxnSp>
+      <p:sp>
+        <p:nvSpPr>
+          <p:cNvPr id="7" name="Circular Arrow 6"/>
+          <p:cNvSpPr/>
+          <p:nvPr/>
+        </p:nvSpPr>
+        <p:spPr>
+          <a:xfrm>
+            <a:off x="1001485" y="3056708"/>
+            <a:ext cx="2815047" cy="1881051"/>
+          </a:xfrm>
+          <a:prstGeom prst="circularArrow">
+            <a:avLst/>
+          </a:prstGeom>
+        </p:spPr>
+        <p:style>
+          <a:lnRef idx="2">
+            <a:schemeClr val="accent1">
+              <a:shade val="50000"/>
+            </a:schemeClr>
+          </a:lnRef>
+          <a:fillRef idx="1">
+            <a:schemeClr val="accent1"/>
+          </a:fillRef>
+          <a:effectRef idx="0">
+            <a:schemeClr val="accent1"/>
+          </a:effectRef>
+          <a:fontRef idx="minor">
+            <a:schemeClr val="lt1"/>
+          </a:fontRef>
+        </p:style>
+        <p:txBody>
+          <a:bodyPr rtlCol="0" anchor="ctr"/>
+          <a:lstStyle/>
+          <a:p>
+            <a:pPr algn="ctr"/>
+            <a:endParaRPr lang="en-US">
+              <a:solidFill>
+                <a:schemeClr val="tx1"/>
+              </a:solidFill>
+            </a:endParaRPr>
+          </a:p>
+        </p:txBody>
+      </p:sp>
+      <p:sp>
+        <p:nvSpPr>
+          <p:cNvPr id="9" name="Curved Down Arrow 8"/>
+          <p:cNvSpPr/>
+          <p:nvPr/>
+        </p:nvSpPr>
+        <p:spPr>
+          <a:xfrm>
+            <a:off x="4049486" y="3152503"/>
+            <a:ext cx="2551611" cy="862148"/>
+          </a:xfrm>
+          <a:prstGeom prst="curvedDownArrow">
+            <a:avLst/>
+          </a:prstGeom>
+        </p:spPr>
+        <p:style>
+          <a:lnRef idx="2">
+            <a:schemeClr val="accent1">
+              <a:shade val="50000"/>
+            </a:schemeClr>
+          </a:lnRef>
+          <a:fillRef idx="1">
+            <a:schemeClr val="accent1"/>
+          </a:fillRef>
+          <a:effectRef idx="0">
+            <a:schemeClr val="accent1"/>
+          </a:effectRef>
+          <a:fontRef idx="minor">
+            <a:schemeClr val="lt1"/>
+          </a:fontRef>
+        </p:style>
+        <p:txBody>
+          <a:bodyPr rtlCol="0" anchor="ctr"/>
+          <a:lstStyle/>
+          <a:p>
+            <a:pPr algn="ctr"/>
+            <a:endParaRPr lang="en-US">
+              <a:solidFill>
+                <a:schemeClr val="tx1"/>
+              </a:solidFill>
+            </a:endParaRPr>
+          </a:p>
+        </p:txBody>
+      </p:sp>
+      <p:sp>
+        <p:nvSpPr>
+          <p:cNvPr id="11" name="Curved Down Arrow 10"/>
+          <p:cNvSpPr/>
+          <p:nvPr/>
+        </p:nvSpPr>
+        <p:spPr>
+          <a:xfrm>
+            <a:off x="2281646" y="3152503"/>
+            <a:ext cx="3135085" cy="862148"/>
+          </a:xfrm>
+          <a:prstGeom prst="curvedDownArrow">
+            <a:avLst/>
+          </a:prstGeom>
+        </p:spPr>
+        <p:style>
+          <a:lnRef idx="2">
+            <a:schemeClr val="accent1">
+              <a:shade val="50000"/>
+            </a:schemeClr>
+          </a:lnRef>
+          <a:fillRef idx="1">
+            <a:schemeClr val="accent1"/>
+          </a:fillRef>
+          <a:effectRef idx="0">
+            <a:schemeClr val="accent1"/>
+          </a:effectRef>
+          <a:fontRef idx="minor">
+            <a:schemeClr val="lt1"/>
+          </a:fontRef>
+        </p:style>
+        <p:txBody>
+          <a:bodyPr rtlCol="0" anchor="ctr"/>
+          <a:lstStyle/>
+          <a:p>
+            <a:pPr algn="ctr"/>
+            <a:endParaRPr lang="en-US">
+              <a:solidFill>
+                <a:schemeClr val="tx1"/>
+              </a:solidFill>
+            </a:endParaRPr>
+          </a:p>
+        </p:txBody>
+      </p:sp>
+      <p:sp>
+        <p:nvSpPr>
+          <p:cNvPr id="12" name="Curved Up Arrow 11"/>
+          <p:cNvSpPr/>
+          <p:nvPr/>
+        </p:nvSpPr>
+        <p:spPr>
+          <a:xfrm>
+            <a:off x="1680754" y="4014651"/>
+            <a:ext cx="3143795" cy="531223"/>
+          </a:xfrm>
+          <a:prstGeom prst="curvedUpArrow">
+            <a:avLst/>
+          </a:prstGeom>
+        </p:spPr>
+        <p:style>
+          <a:lnRef idx="2">
+            <a:schemeClr val="accent1">
+              <a:shade val="50000"/>
+            </a:schemeClr>
+          </a:lnRef>
+          <a:fillRef idx="1">
+            <a:schemeClr val="accent1"/>
+          </a:fillRef>
+          <a:effectRef idx="0">
+            <a:schemeClr val="accent1"/>
+          </a:effectRef>
+          <a:fontRef idx="minor">
+            <a:schemeClr val="lt1"/>
+          </a:fontRef>
+        </p:style>
+        <p:txBody>
+          <a:bodyPr rtlCol="0" anchor="ctr"/>
+          <a:lstStyle/>
+          <a:p>
+            <a:pPr algn="ctr"/>
+            <a:endParaRPr lang="en-US">
+              <a:solidFill>
+                <a:schemeClr val="tx1"/>
+              </a:solidFill>
+            </a:endParaRPr>
+          </a:p>
+        </p:txBody>
+      </p:sp>
+      <p:sp>
+        <p:nvSpPr>
+          <p:cNvPr id="13" name="TextBox 12"/>
+          <p:cNvSpPr txBox="1"/>
+          <p:nvPr/>
+        </p:nvSpPr>
+        <p:spPr>
+          <a:xfrm>
+            <a:off x="583474" y="4214949"/>
+            <a:ext cx="1219200" cy="369332"/>
+          </a:xfrm>
+          <a:prstGeom prst="rect">
+            <a:avLst/>
+          </a:prstGeom>
+          <a:noFill/>
+        </p:spPr>
+        <p:txBody>
+          <a:bodyPr wrap="square" rtlCol="0">
+            <a:spAutoFit/>
+          </a:bodyPr>
+          <a:lstStyle/>
+          <a:p>
+            <a:r>
+              <a:rPr lang="en-US" dirty="0" smtClean="0"/>
+              <a:t>11.00 Am</a:t>
+            </a:r>
+            <a:endParaRPr lang="en-US" dirty="0"/>
+          </a:p>
+        </p:txBody>
+      </p:sp>
+      <p:sp>
+        <p:nvSpPr>
+          <p:cNvPr id="14" name="TextBox 13"/>
+          <p:cNvSpPr txBox="1"/>
+          <p:nvPr/>
+        </p:nvSpPr>
+        <p:spPr>
+          <a:xfrm>
+            <a:off x="10502537" y="4214949"/>
+            <a:ext cx="1097280" cy="369332"/>
+          </a:xfrm>
+          <a:prstGeom prst="rect">
+            <a:avLst/>
+          </a:prstGeom>
+          <a:noFill/>
+        </p:spPr>
+        <p:txBody>
+          <a:bodyPr wrap="square" rtlCol="0">
+            <a:spAutoFit/>
+          </a:bodyPr>
+          <a:lstStyle/>
+          <a:p>
+            <a:r>
+              <a:rPr lang="en-US" dirty="0" smtClean="0"/>
+              <a:t>05.00 PM</a:t>
+            </a:r>
+            <a:endParaRPr lang="en-US" dirty="0"/>
+          </a:p>
+        </p:txBody>
+      </p:sp>
+      <p:sp>
+        <p:nvSpPr>
+          <p:cNvPr id="15" name="TextBox 14"/>
+          <p:cNvSpPr txBox="1"/>
+          <p:nvPr/>
+        </p:nvSpPr>
+        <p:spPr>
+          <a:xfrm>
+            <a:off x="1001484" y="2872042"/>
+            <a:ext cx="1062445" cy="369332"/>
+          </a:xfrm>
+          <a:prstGeom prst="rect">
+            <a:avLst/>
+          </a:prstGeom>
+          <a:noFill/>
+        </p:spPr>
+        <p:txBody>
+          <a:bodyPr wrap="square" rtlCol="0">
+            <a:spAutoFit/>
+          </a:bodyPr>
+          <a:lstStyle/>
+          <a:p>
+            <a:r>
+              <a:rPr lang="en-US" dirty="0" smtClean="0"/>
+              <a:t>Sam</a:t>
+            </a:r>
+            <a:endParaRPr lang="en-US" dirty="0"/>
+          </a:p>
+        </p:txBody>
+      </p:sp>
+      <p:sp>
+        <p:nvSpPr>
+          <p:cNvPr id="16" name="TextBox 15"/>
+          <p:cNvSpPr txBox="1"/>
+          <p:nvPr/>
+        </p:nvSpPr>
+        <p:spPr>
+          <a:xfrm>
+            <a:off x="2773681" y="4645529"/>
+            <a:ext cx="1062445" cy="369332"/>
+          </a:xfrm>
+          <a:prstGeom prst="rect">
+            <a:avLst/>
+          </a:prstGeom>
+          <a:noFill/>
+        </p:spPr>
+        <p:txBody>
+          <a:bodyPr wrap="square" rtlCol="0">
+            <a:spAutoFit/>
+          </a:bodyPr>
+          <a:lstStyle/>
+          <a:p>
+            <a:r>
+              <a:rPr lang="en-US" dirty="0" smtClean="0"/>
+              <a:t>Sara</a:t>
+            </a:r>
+            <a:endParaRPr lang="en-US" dirty="0"/>
+          </a:p>
+        </p:txBody>
+      </p:sp>
+      <p:sp>
+        <p:nvSpPr>
+          <p:cNvPr id="17" name="TextBox 16"/>
+          <p:cNvSpPr txBox="1"/>
+          <p:nvPr/>
+        </p:nvSpPr>
+        <p:spPr>
+          <a:xfrm>
+            <a:off x="3401787" y="2754458"/>
+            <a:ext cx="1062445" cy="369332"/>
+          </a:xfrm>
+          <a:prstGeom prst="rect">
+            <a:avLst/>
+          </a:prstGeom>
+          <a:noFill/>
+        </p:spPr>
+        <p:txBody>
+          <a:bodyPr wrap="square" rtlCol="0">
+            <a:spAutoFit/>
+          </a:bodyPr>
+          <a:lstStyle/>
+          <a:p>
+            <a:r>
+              <a:rPr lang="en-US" dirty="0" smtClean="0"/>
+              <a:t>David</a:t>
+            </a:r>
+            <a:endParaRPr lang="en-US" dirty="0"/>
+          </a:p>
+        </p:txBody>
+      </p:sp>
+      <p:sp>
+        <p:nvSpPr>
+          <p:cNvPr id="18" name="TextBox 17"/>
+          <p:cNvSpPr txBox="1"/>
+          <p:nvPr/>
+        </p:nvSpPr>
+        <p:spPr>
+          <a:xfrm>
+            <a:off x="5165270" y="2783170"/>
+            <a:ext cx="1062445" cy="369332"/>
+          </a:xfrm>
+          <a:prstGeom prst="rect">
+            <a:avLst/>
+          </a:prstGeom>
+          <a:noFill/>
+        </p:spPr>
+        <p:txBody>
+          <a:bodyPr wrap="square" rtlCol="0">
+            <a:spAutoFit/>
+          </a:bodyPr>
+          <a:lstStyle/>
+          <a:p>
+            <a:r>
+              <a:rPr lang="en-US" dirty="0" err="1" smtClean="0"/>
+              <a:t>Jhon</a:t>
+            </a:r>
+            <a:endParaRPr lang="en-US" dirty="0"/>
+          </a:p>
+        </p:txBody>
+      </p:sp>
+      <p:sp>
+        <p:nvSpPr>
+          <p:cNvPr id="19" name="Rectangle 18"/>
+          <p:cNvSpPr/>
+          <p:nvPr/>
+        </p:nvSpPr>
+        <p:spPr>
+          <a:xfrm>
+            <a:off x="4464233" y="4830194"/>
+            <a:ext cx="4220390" cy="2027805"/>
+          </a:xfrm>
+          <a:prstGeom prst="rect">
+            <a:avLst/>
+          </a:prstGeom>
+        </p:spPr>
+        <p:style>
+          <a:lnRef idx="2">
+            <a:schemeClr val="accent1">
+              <a:shade val="50000"/>
+            </a:schemeClr>
+          </a:lnRef>
+          <a:fillRef idx="1">
+            <a:schemeClr val="accent1"/>
+          </a:fillRef>
+          <a:effectRef idx="0">
+            <a:schemeClr val="accent1"/>
+          </a:effectRef>
+          <a:fontRef idx="minor">
+            <a:schemeClr val="lt1"/>
+          </a:fontRef>
+        </p:style>
+        <p:txBody>
+          <a:bodyPr rtlCol="0" anchor="ctr"/>
+          <a:lstStyle/>
+          <a:p>
+            <a:pPr algn="ctr"/>
+            <a:r>
+              <a:rPr lang="en-US" dirty="0" smtClean="0"/>
+              <a:t>Initial file Index.hmtl is empty</a:t>
+            </a:r>
+          </a:p>
+          <a:p>
+            <a:pPr algn="ctr"/>
+            <a:r>
+              <a:rPr lang="en-US" dirty="0" smtClean="0"/>
+              <a:t>Sam added code in Index.hmtl</a:t>
+            </a:r>
+          </a:p>
+          <a:p>
+            <a:pPr algn="ctr"/>
+            <a:r>
+              <a:rPr lang="en-US" dirty="0" smtClean="0"/>
+              <a:t>Sara created format CSS</a:t>
+            </a:r>
+          </a:p>
+          <a:p>
+            <a:pPr algn="ctr"/>
+            <a:r>
+              <a:rPr lang="en-US" dirty="0" smtClean="0"/>
+              <a:t>David created JavaScript</a:t>
+            </a:r>
+          </a:p>
+          <a:p>
+            <a:pPr algn="ctr"/>
+            <a:r>
+              <a:rPr lang="en-US" dirty="0" smtClean="0"/>
+              <a:t>Home page can be CI &amp; CD</a:t>
+            </a:r>
+          </a:p>
+          <a:p>
+            <a:pPr algn="ctr"/>
+            <a:r>
+              <a:rPr lang="en-US" dirty="0" smtClean="0"/>
+              <a:t>At any time updated Home page is found</a:t>
+            </a:r>
+          </a:p>
+          <a:p>
+            <a:pPr algn="ctr"/>
+            <a:endParaRPr lang="en-US" dirty="0"/>
+          </a:p>
+        </p:txBody>
+      </p:sp>
+      <p:sp>
+        <p:nvSpPr>
+          <p:cNvPr id="20" name="TextBox 19"/>
+          <p:cNvSpPr txBox="1"/>
+          <p:nvPr/>
+        </p:nvSpPr>
+        <p:spPr>
+          <a:xfrm>
+            <a:off x="8704217" y="4584281"/>
+            <a:ext cx="3061063" cy="2308324"/>
+          </a:xfrm>
+          <a:prstGeom prst="rect">
+            <a:avLst/>
+          </a:prstGeom>
+          <a:noFill/>
+        </p:spPr>
+        <p:txBody>
+          <a:bodyPr wrap="square" rtlCol="0">
+            <a:spAutoFit/>
+          </a:bodyPr>
+          <a:lstStyle/>
+          <a:p>
+            <a:r>
+              <a:rPr lang="en-US" dirty="0" smtClean="0"/>
+              <a:t>One task is completed working on their own pace &amp;  not intact.</a:t>
+            </a:r>
+          </a:p>
+          <a:p>
+            <a:r>
+              <a:rPr lang="en-US" dirty="0" smtClean="0"/>
+              <a:t>At any given point of time still having old code and their branches  can be deployed </a:t>
+            </a:r>
+          </a:p>
+          <a:p>
+            <a:r>
+              <a:rPr lang="en-US" dirty="0" smtClean="0"/>
+              <a:t>Don’t want to wait for entire code for deployment</a:t>
+            </a:r>
+            <a:endParaRPr lang="en-US" dirty="0"/>
+          </a:p>
+        </p:txBody>
+      </p:sp>
     </p:spTree>
     <p:extLst>
       <p:ext uri="{BB962C8B-B14F-4D97-AF65-F5344CB8AC3E}">
-        <p14:creationId xmlns:p14="http://schemas.microsoft.com/office/powerpoint/2010/main" val="925240655"/>
+        <p14:creationId xmlns:p14="http://schemas.microsoft.com/office/powerpoint/2010/main" val="3132991117"/>
       </p:ext>
     </p:extLst>
   </p:cSld>
@@ -6385,7 +6884,7 @@
           <a:p>
             <a:r>
               <a:rPr lang="en-US" dirty="0" smtClean="0"/>
-              <a:t>Case study:</a:t>
+              <a:t>Trunk based development </a:t>
             </a:r>
             <a:endParaRPr lang="en-US" dirty="0"/>
           </a:p>
@@ -6401,549 +6900,63 @@
             <p:ph idx="1"/>
           </p:nvPr>
         </p:nvSpPr>
-        <p:spPr>
-          <a:xfrm>
-            <a:off x="873036" y="1825625"/>
-            <a:ext cx="10515600" cy="4351338"/>
-          </a:xfrm>
-        </p:spPr>
+        <p:spPr/>
         <p:txBody>
           <a:bodyPr/>
           <a:lstStyle/>
           <a:p>
             <a:r>
-              <a:rPr lang="en-US" dirty="0" smtClean="0"/>
-              <a:t>3 developers (Sam, Sarah, David) required to develop Home page App </a:t>
-            </a:r>
-          </a:p>
-          <a:p>
-            <a:r>
-              <a:rPr lang="en-US" dirty="0" smtClean="0"/>
-              <a:t>1 Tech Lead (</a:t>
-            </a:r>
-            <a:r>
-              <a:rPr lang="en-US" dirty="0" err="1" smtClean="0"/>
-              <a:t>Jhon</a:t>
-            </a:r>
-            <a:r>
-              <a:rPr lang="en-US" dirty="0" smtClean="0"/>
-              <a:t>) -&gt; Created a Repo.</a:t>
+              <a:rPr lang="en-US" dirty="0"/>
+              <a:t>A source-control branching model, where developers collaborate on code in a single branch called ‘trunk’ *, resist any pressure to create other long-lived development branches by employing documented techniques. They therefore avoid merge hell, do not break the build, and live happily ever after.</a:t>
+            </a:r>
+          </a:p>
+          <a:p>
+            <a:r>
+              <a:rPr lang="en-US" dirty="0"/>
+              <a:t>* </a:t>
+            </a:r>
+            <a:r>
+              <a:rPr lang="en-US" i="1" dirty="0"/>
+              <a:t>main</a:t>
+            </a:r>
+            <a:r>
+              <a:rPr lang="en-US" dirty="0"/>
+              <a:t> or </a:t>
+            </a:r>
+            <a:r>
+              <a:rPr lang="en-US" i="1" dirty="0"/>
+              <a:t>master</a:t>
+            </a:r>
+            <a:r>
+              <a:rPr lang="en-US" dirty="0"/>
+              <a:t>, in </a:t>
+            </a:r>
+            <a:r>
+              <a:rPr lang="en-US" dirty="0" err="1"/>
+              <a:t>Git</a:t>
+            </a:r>
+            <a:r>
+              <a:rPr lang="en-US" dirty="0"/>
+              <a:t> </a:t>
+            </a:r>
+            <a:r>
+              <a:rPr lang="en-US" dirty="0" smtClean="0"/>
+              <a:t>nomenclature</a:t>
+            </a:r>
+          </a:p>
+          <a:p>
+            <a:r>
+              <a:rPr lang="en-US" dirty="0"/>
+              <a:t>Trunk-Based Development is not a new branching model. The word ‘trunk’ is referent to the concept of a growing tree, where the fattest and longest span is the trunk, not the branches that radiate from it and are of more limited length.</a:t>
             </a:r>
           </a:p>
           <a:p>
             <a:pPr marL="0" indent="0">
               <a:buNone/>
             </a:pPr>
-            <a:endParaRPr lang="en-US" dirty="0"/>
-          </a:p>
-        </p:txBody>
-      </p:sp>
-      <p:cxnSp>
-        <p:nvCxnSpPr>
-          <p:cNvPr id="5" name="Straight Connector 4"/>
-          <p:cNvCxnSpPr/>
-          <p:nvPr/>
-        </p:nvCxnSpPr>
-        <p:spPr>
-          <a:xfrm>
-            <a:off x="1001486" y="4014651"/>
-            <a:ext cx="10119360" cy="0"/>
-          </a:xfrm>
-          <a:prstGeom prst="line">
-            <a:avLst/>
-          </a:prstGeom>
-        </p:spPr>
-        <p:style>
-          <a:lnRef idx="1">
-            <a:schemeClr val="accent1"/>
-          </a:lnRef>
-          <a:fillRef idx="0">
-            <a:schemeClr val="accent1"/>
-          </a:fillRef>
-          <a:effectRef idx="0">
-            <a:schemeClr val="accent1"/>
-          </a:effectRef>
-          <a:fontRef idx="minor">
-            <a:schemeClr val="tx1"/>
-          </a:fontRef>
-        </p:style>
-      </p:cxnSp>
-      <p:sp>
-        <p:nvSpPr>
-          <p:cNvPr id="7" name="Circular Arrow 6"/>
-          <p:cNvSpPr/>
-          <p:nvPr/>
-        </p:nvSpPr>
-        <p:spPr>
-          <a:xfrm>
-            <a:off x="1001485" y="3056708"/>
-            <a:ext cx="2815047" cy="1881051"/>
-          </a:xfrm>
-          <a:prstGeom prst="circularArrow">
-            <a:avLst/>
-          </a:prstGeom>
-        </p:spPr>
-        <p:style>
-          <a:lnRef idx="2">
-            <a:schemeClr val="accent1">
-              <a:shade val="50000"/>
-            </a:schemeClr>
-          </a:lnRef>
-          <a:fillRef idx="1">
-            <a:schemeClr val="accent1"/>
-          </a:fillRef>
-          <a:effectRef idx="0">
-            <a:schemeClr val="accent1"/>
-          </a:effectRef>
-          <a:fontRef idx="minor">
-            <a:schemeClr val="lt1"/>
-          </a:fontRef>
-        </p:style>
-        <p:txBody>
-          <a:bodyPr rtlCol="0" anchor="ctr"/>
-          <a:lstStyle/>
-          <a:p>
-            <a:pPr algn="ctr"/>
-            <a:endParaRPr lang="en-US">
-              <a:solidFill>
-                <a:schemeClr val="tx1"/>
-              </a:solidFill>
-            </a:endParaRPr>
-          </a:p>
-        </p:txBody>
-      </p:sp>
-      <p:sp>
-        <p:nvSpPr>
-          <p:cNvPr id="9" name="Curved Down Arrow 8"/>
-          <p:cNvSpPr/>
-          <p:nvPr/>
-        </p:nvSpPr>
-        <p:spPr>
-          <a:xfrm>
-            <a:off x="4049486" y="3152503"/>
-            <a:ext cx="2551611" cy="862148"/>
-          </a:xfrm>
-          <a:prstGeom prst="curvedDownArrow">
-            <a:avLst/>
-          </a:prstGeom>
-        </p:spPr>
-        <p:style>
-          <a:lnRef idx="2">
-            <a:schemeClr val="accent1">
-              <a:shade val="50000"/>
-            </a:schemeClr>
-          </a:lnRef>
-          <a:fillRef idx="1">
-            <a:schemeClr val="accent1"/>
-          </a:fillRef>
-          <a:effectRef idx="0">
-            <a:schemeClr val="accent1"/>
-          </a:effectRef>
-          <a:fontRef idx="minor">
-            <a:schemeClr val="lt1"/>
-          </a:fontRef>
-        </p:style>
-        <p:txBody>
-          <a:bodyPr rtlCol="0" anchor="ctr"/>
-          <a:lstStyle/>
-          <a:p>
-            <a:pPr algn="ctr"/>
-            <a:endParaRPr lang="en-US">
-              <a:solidFill>
-                <a:schemeClr val="tx1"/>
-              </a:solidFill>
-            </a:endParaRPr>
-          </a:p>
-        </p:txBody>
-      </p:sp>
-      <p:sp>
-        <p:nvSpPr>
-          <p:cNvPr id="11" name="Curved Down Arrow 10"/>
-          <p:cNvSpPr/>
-          <p:nvPr/>
-        </p:nvSpPr>
-        <p:spPr>
-          <a:xfrm>
-            <a:off x="2281646" y="3152503"/>
-            <a:ext cx="3135085" cy="862148"/>
-          </a:xfrm>
-          <a:prstGeom prst="curvedDownArrow">
-            <a:avLst/>
-          </a:prstGeom>
-        </p:spPr>
-        <p:style>
-          <a:lnRef idx="2">
-            <a:schemeClr val="accent1">
-              <a:shade val="50000"/>
-            </a:schemeClr>
-          </a:lnRef>
-          <a:fillRef idx="1">
-            <a:schemeClr val="accent1"/>
-          </a:fillRef>
-          <a:effectRef idx="0">
-            <a:schemeClr val="accent1"/>
-          </a:effectRef>
-          <a:fontRef idx="minor">
-            <a:schemeClr val="lt1"/>
-          </a:fontRef>
-        </p:style>
-        <p:txBody>
-          <a:bodyPr rtlCol="0" anchor="ctr"/>
-          <a:lstStyle/>
-          <a:p>
-            <a:pPr algn="ctr"/>
-            <a:endParaRPr lang="en-US">
-              <a:solidFill>
-                <a:schemeClr val="tx1"/>
-              </a:solidFill>
-            </a:endParaRPr>
-          </a:p>
-        </p:txBody>
-      </p:sp>
-      <p:sp>
-        <p:nvSpPr>
-          <p:cNvPr id="12" name="Curved Up Arrow 11"/>
-          <p:cNvSpPr/>
-          <p:nvPr/>
-        </p:nvSpPr>
-        <p:spPr>
-          <a:xfrm>
-            <a:off x="1680754" y="4014651"/>
-            <a:ext cx="3143795" cy="531223"/>
-          </a:xfrm>
-          <a:prstGeom prst="curvedUpArrow">
-            <a:avLst/>
-          </a:prstGeom>
-        </p:spPr>
-        <p:style>
-          <a:lnRef idx="2">
-            <a:schemeClr val="accent1">
-              <a:shade val="50000"/>
-            </a:schemeClr>
-          </a:lnRef>
-          <a:fillRef idx="1">
-            <a:schemeClr val="accent1"/>
-          </a:fillRef>
-          <a:effectRef idx="0">
-            <a:schemeClr val="accent1"/>
-          </a:effectRef>
-          <a:fontRef idx="minor">
-            <a:schemeClr val="lt1"/>
-          </a:fontRef>
-        </p:style>
-        <p:txBody>
-          <a:bodyPr rtlCol="0" anchor="ctr"/>
-          <a:lstStyle/>
-          <a:p>
-            <a:pPr algn="ctr"/>
-            <a:endParaRPr lang="en-US">
-              <a:solidFill>
-                <a:schemeClr val="tx1"/>
-              </a:solidFill>
-            </a:endParaRPr>
-          </a:p>
-        </p:txBody>
-      </p:sp>
-      <p:sp>
-        <p:nvSpPr>
-          <p:cNvPr id="13" name="TextBox 12"/>
-          <p:cNvSpPr txBox="1"/>
-          <p:nvPr/>
-        </p:nvSpPr>
-        <p:spPr>
-          <a:xfrm>
-            <a:off x="583474" y="4214949"/>
-            <a:ext cx="1219200" cy="369332"/>
-          </a:xfrm>
-          <a:prstGeom prst="rect">
-            <a:avLst/>
-          </a:prstGeom>
-          <a:noFill/>
-        </p:spPr>
-        <p:txBody>
-          <a:bodyPr wrap="square" rtlCol="0">
-            <a:spAutoFit/>
-          </a:bodyPr>
-          <a:lstStyle/>
-          <a:p>
-            <a:r>
-              <a:rPr lang="en-US" dirty="0" smtClean="0"/>
-              <a:t>11.00 Am</a:t>
-            </a:r>
-            <a:endParaRPr lang="en-US" dirty="0"/>
-          </a:p>
-        </p:txBody>
-      </p:sp>
-      <p:sp>
-        <p:nvSpPr>
-          <p:cNvPr id="14" name="TextBox 13"/>
-          <p:cNvSpPr txBox="1"/>
-          <p:nvPr/>
-        </p:nvSpPr>
-        <p:spPr>
-          <a:xfrm>
-            <a:off x="10502537" y="4214949"/>
-            <a:ext cx="1097280" cy="369332"/>
-          </a:xfrm>
-          <a:prstGeom prst="rect">
-            <a:avLst/>
-          </a:prstGeom>
-          <a:noFill/>
-        </p:spPr>
-        <p:txBody>
-          <a:bodyPr wrap="square" rtlCol="0">
-            <a:spAutoFit/>
-          </a:bodyPr>
-          <a:lstStyle/>
-          <a:p>
-            <a:r>
-              <a:rPr lang="en-US" dirty="0" smtClean="0"/>
-              <a:t>05.00 PM</a:t>
-            </a:r>
-            <a:endParaRPr lang="en-US" dirty="0"/>
-          </a:p>
-        </p:txBody>
-      </p:sp>
-      <p:sp>
-        <p:nvSpPr>
-          <p:cNvPr id="15" name="TextBox 14"/>
-          <p:cNvSpPr txBox="1"/>
-          <p:nvPr/>
-        </p:nvSpPr>
-        <p:spPr>
-          <a:xfrm>
-            <a:off x="1001484" y="2872042"/>
-            <a:ext cx="1062445" cy="369332"/>
-          </a:xfrm>
-          <a:prstGeom prst="rect">
-            <a:avLst/>
-          </a:prstGeom>
-          <a:noFill/>
-        </p:spPr>
-        <p:txBody>
-          <a:bodyPr wrap="square" rtlCol="0">
-            <a:spAutoFit/>
-          </a:bodyPr>
-          <a:lstStyle/>
-          <a:p>
-            <a:r>
-              <a:rPr lang="en-US" dirty="0" smtClean="0"/>
-              <a:t>Sam</a:t>
-            </a:r>
-            <a:endParaRPr lang="en-US" dirty="0"/>
-          </a:p>
-        </p:txBody>
-      </p:sp>
-      <p:sp>
-        <p:nvSpPr>
-          <p:cNvPr id="16" name="TextBox 15"/>
-          <p:cNvSpPr txBox="1"/>
-          <p:nvPr/>
-        </p:nvSpPr>
-        <p:spPr>
-          <a:xfrm>
-            <a:off x="2773681" y="4645529"/>
-            <a:ext cx="1062445" cy="369332"/>
-          </a:xfrm>
-          <a:prstGeom prst="rect">
-            <a:avLst/>
-          </a:prstGeom>
-          <a:noFill/>
-        </p:spPr>
-        <p:txBody>
-          <a:bodyPr wrap="square" rtlCol="0">
-            <a:spAutoFit/>
-          </a:bodyPr>
-          <a:lstStyle/>
-          <a:p>
-            <a:r>
-              <a:rPr lang="en-US" dirty="0" smtClean="0"/>
-              <a:t>Sara</a:t>
-            </a:r>
-            <a:endParaRPr lang="en-US" dirty="0"/>
-          </a:p>
-        </p:txBody>
-      </p:sp>
-      <p:sp>
-        <p:nvSpPr>
-          <p:cNvPr id="17" name="TextBox 16"/>
-          <p:cNvSpPr txBox="1"/>
-          <p:nvPr/>
-        </p:nvSpPr>
-        <p:spPr>
-          <a:xfrm>
-            <a:off x="3401787" y="2754458"/>
-            <a:ext cx="1062445" cy="369332"/>
-          </a:xfrm>
-          <a:prstGeom prst="rect">
-            <a:avLst/>
-          </a:prstGeom>
-          <a:noFill/>
-        </p:spPr>
-        <p:txBody>
-          <a:bodyPr wrap="square" rtlCol="0">
-            <a:spAutoFit/>
-          </a:bodyPr>
-          <a:lstStyle/>
-          <a:p>
-            <a:r>
-              <a:rPr lang="en-US" dirty="0" smtClean="0"/>
-              <a:t>David</a:t>
-            </a:r>
-            <a:endParaRPr lang="en-US" dirty="0"/>
-          </a:p>
-        </p:txBody>
-      </p:sp>
-      <p:sp>
-        <p:nvSpPr>
-          <p:cNvPr id="18" name="TextBox 17"/>
-          <p:cNvSpPr txBox="1"/>
-          <p:nvPr/>
-        </p:nvSpPr>
-        <p:spPr>
-          <a:xfrm>
-            <a:off x="5165270" y="2783170"/>
-            <a:ext cx="1062445" cy="369332"/>
-          </a:xfrm>
-          <a:prstGeom prst="rect">
-            <a:avLst/>
-          </a:prstGeom>
-          <a:noFill/>
-        </p:spPr>
-        <p:txBody>
-          <a:bodyPr wrap="square" rtlCol="0">
-            <a:spAutoFit/>
-          </a:bodyPr>
-          <a:lstStyle/>
-          <a:p>
-            <a:r>
-              <a:rPr lang="en-US" dirty="0" err="1" smtClean="0"/>
-              <a:t>Jhon</a:t>
-            </a:r>
-            <a:endParaRPr lang="en-US" dirty="0"/>
-          </a:p>
-        </p:txBody>
-      </p:sp>
-      <p:sp>
-        <p:nvSpPr>
-          <p:cNvPr id="19" name="Rectangle 18"/>
-          <p:cNvSpPr/>
-          <p:nvPr/>
-        </p:nvSpPr>
-        <p:spPr>
-          <a:xfrm>
-            <a:off x="4464233" y="4830194"/>
-            <a:ext cx="4220390" cy="2027805"/>
-          </a:xfrm>
-          <a:prstGeom prst="rect">
-            <a:avLst/>
-          </a:prstGeom>
-        </p:spPr>
-        <p:style>
-          <a:lnRef idx="2">
-            <a:schemeClr val="accent1">
-              <a:shade val="50000"/>
-            </a:schemeClr>
-          </a:lnRef>
-          <a:fillRef idx="1">
-            <a:schemeClr val="accent1"/>
-          </a:fillRef>
-          <a:effectRef idx="0">
-            <a:schemeClr val="accent1"/>
-          </a:effectRef>
-          <a:fontRef idx="minor">
-            <a:schemeClr val="lt1"/>
-          </a:fontRef>
-        </p:style>
-        <p:txBody>
-          <a:bodyPr rtlCol="0" anchor="ctr"/>
-          <a:lstStyle/>
-          <a:p>
-            <a:pPr algn="ctr"/>
-            <a:r>
-              <a:rPr lang="en-US" dirty="0" smtClean="0"/>
-              <a:t>Initial file Index.hmtl is empty</a:t>
-            </a:r>
-          </a:p>
-          <a:p>
-            <a:pPr algn="ctr"/>
-            <a:r>
-              <a:rPr lang="en-US" dirty="0" smtClean="0"/>
-              <a:t>Sam added code in Index.hmtl</a:t>
-            </a:r>
-          </a:p>
-          <a:p>
-            <a:pPr algn="ctr"/>
-            <a:r>
-              <a:rPr lang="en-US" dirty="0" smtClean="0"/>
-              <a:t>Sara created format CSS</a:t>
-            </a:r>
-          </a:p>
-          <a:p>
-            <a:pPr algn="ctr"/>
-            <a:r>
-              <a:rPr lang="en-US" dirty="0" smtClean="0"/>
-              <a:t>David created JavaScript</a:t>
-            </a:r>
-          </a:p>
-          <a:p>
-            <a:pPr algn="ctr"/>
-            <a:r>
-              <a:rPr lang="en-US" dirty="0" smtClean="0"/>
-              <a:t>Home page can be CI &amp; CD</a:t>
-            </a:r>
-          </a:p>
-          <a:p>
-            <a:pPr algn="ctr"/>
-            <a:r>
-              <a:rPr lang="en-US" dirty="0" smtClean="0"/>
-              <a:t>At any time updated Home page is found</a:t>
-            </a:r>
-          </a:p>
-          <a:p>
-            <a:pPr algn="ctr"/>
-            <a:endParaRPr lang="en-US" dirty="0"/>
-          </a:p>
-        </p:txBody>
-      </p:sp>
-      <p:sp>
-        <p:nvSpPr>
-          <p:cNvPr id="20" name="TextBox 19"/>
-          <p:cNvSpPr txBox="1"/>
-          <p:nvPr/>
-        </p:nvSpPr>
-        <p:spPr>
-          <a:xfrm>
-            <a:off x="8704217" y="4584281"/>
-            <a:ext cx="3061063" cy="2308324"/>
-          </a:xfrm>
-          <a:prstGeom prst="rect">
-            <a:avLst/>
-          </a:prstGeom>
-          <a:noFill/>
-        </p:spPr>
-        <p:txBody>
-          <a:bodyPr wrap="square" rtlCol="0">
-            <a:spAutoFit/>
-          </a:bodyPr>
-          <a:lstStyle/>
-          <a:p>
-            <a:r>
-              <a:rPr lang="en-US" dirty="0" smtClean="0"/>
-              <a:t>One task is completed working on their own pace &amp;  not intact.</a:t>
-            </a:r>
-          </a:p>
-          <a:p>
-            <a:r>
-              <a:rPr lang="en-US" dirty="0" smtClean="0"/>
-              <a:t>At any given point of time still having old code and their branches  can be deployed </a:t>
-            </a:r>
-          </a:p>
-          <a:p>
-            <a:r>
-              <a:rPr lang="en-US" dirty="0" smtClean="0"/>
-              <a:t>Don’t want to wait for entire code for deployment</a:t>
-            </a:r>
+            <a:endParaRPr lang="en-US" b="1" dirty="0"/>
+          </a:p>
+          <a:p>
             <a:endParaRPr lang="en-US" dirty="0"/>
           </a:p>
         </p:txBody>
@@ -6951,7 +6964,7 @@
     </p:spTree>
     <p:extLst>
       <p:ext uri="{BB962C8B-B14F-4D97-AF65-F5344CB8AC3E}">
-        <p14:creationId xmlns:p14="http://schemas.microsoft.com/office/powerpoint/2010/main" val="3132991117"/>
+        <p14:creationId xmlns:p14="http://schemas.microsoft.com/office/powerpoint/2010/main" val="20229670"/>
       </p:ext>
     </p:extLst>
   </p:cSld>
@@ -6995,130 +7008,6 @@
           <a:p>
             <a:r>
               <a:rPr lang="en-US" dirty="0" smtClean="0"/>
-              <a:t>Trunk based development </a:t>
-            </a:r>
-            <a:endParaRPr lang="en-US" dirty="0"/>
-          </a:p>
-        </p:txBody>
-      </p:sp>
-      <p:sp>
-        <p:nvSpPr>
-          <p:cNvPr id="3" name="Content Placeholder 2"/>
-          <p:cNvSpPr>
-            <a:spLocks noGrp="1"/>
-          </p:cNvSpPr>
-          <p:nvPr>
-            <p:ph idx="1"/>
-          </p:nvPr>
-        </p:nvSpPr>
-        <p:spPr/>
-        <p:txBody>
-          <a:bodyPr/>
-          <a:lstStyle/>
-          <a:p>
-            <a:r>
-              <a:rPr lang="en-US" dirty="0"/>
-              <a:t>A source-control branching model, where developers collaborate on code in a single branch called ‘trunk’ *, resist any pressure to create other long-lived development branches by employing documented techniques. They therefore avoid merge hell, do not break the build, and live happily ever after.</a:t>
-            </a:r>
-          </a:p>
-          <a:p>
-            <a:r>
-              <a:rPr lang="en-US" dirty="0"/>
-              <a:t>* </a:t>
-            </a:r>
-            <a:r>
-              <a:rPr lang="en-US" i="1" dirty="0"/>
-              <a:t>main</a:t>
-            </a:r>
-            <a:r>
-              <a:rPr lang="en-US" dirty="0"/>
-              <a:t> or </a:t>
-            </a:r>
-            <a:r>
-              <a:rPr lang="en-US" i="1" dirty="0"/>
-              <a:t>master</a:t>
-            </a:r>
-            <a:r>
-              <a:rPr lang="en-US" dirty="0"/>
-              <a:t>, in </a:t>
-            </a:r>
-            <a:r>
-              <a:rPr lang="en-US" dirty="0" err="1"/>
-              <a:t>Git</a:t>
-            </a:r>
-            <a:r>
-              <a:rPr lang="en-US" dirty="0"/>
-              <a:t> </a:t>
-            </a:r>
-            <a:r>
-              <a:rPr lang="en-US" dirty="0" smtClean="0"/>
-              <a:t>nomenclature</a:t>
-            </a:r>
-          </a:p>
-          <a:p>
-            <a:r>
-              <a:rPr lang="en-US" dirty="0"/>
-              <a:t>Trunk-Based Development is not a new branching model. The word ‘trunk’ is referent to the concept of a growing tree, where the fattest and longest span is the trunk, not the branches that radiate from it and are of more limited length.</a:t>
-            </a:r>
-          </a:p>
-          <a:p>
-            <a:pPr marL="0" indent="0">
-              <a:buNone/>
-            </a:pPr>
-            <a:endParaRPr lang="en-US" b="1" dirty="0"/>
-          </a:p>
-          <a:p>
-            <a:endParaRPr lang="en-US" dirty="0"/>
-          </a:p>
-        </p:txBody>
-      </p:sp>
-    </p:spTree>
-    <p:extLst>
-      <p:ext uri="{BB962C8B-B14F-4D97-AF65-F5344CB8AC3E}">
-        <p14:creationId xmlns:p14="http://schemas.microsoft.com/office/powerpoint/2010/main" val="20229670"/>
-      </p:ext>
-    </p:extLst>
-  </p:cSld>
-  <p:clrMapOvr>
-    <a:masterClrMapping/>
-  </p:clrMapOvr>
-</p:sld>
-</file>
-
-<file path=ppt/slides/slide24.xml><?xml version="1.0" encoding="utf-8"?>
-<p:sld xmlns:a="http://schemas.openxmlformats.org/drawingml/2006/main" xmlns:r="http://schemas.openxmlformats.org/officeDocument/2006/relationships" xmlns:p="http://schemas.openxmlformats.org/presentationml/2006/main">
-  <p:cSld>
-    <p:spTree>
-      <p:nvGrpSpPr>
-        <p:cNvPr id="1" name=""/>
-        <p:cNvGrpSpPr/>
-        <p:nvPr/>
-      </p:nvGrpSpPr>
-      <p:grpSpPr>
-        <a:xfrm>
-          <a:off x="0" y="0"/>
-          <a:ext cx="0" cy="0"/>
-          <a:chOff x="0" y="0"/>
-          <a:chExt cx="0" cy="0"/>
-        </a:xfrm>
-      </p:grpSpPr>
-      <p:sp>
-        <p:nvSpPr>
-          <p:cNvPr id="2" name="Title 1"/>
-          <p:cNvSpPr>
-            <a:spLocks noGrp="1"/>
-          </p:cNvSpPr>
-          <p:nvPr>
-            <p:ph type="title"/>
-          </p:nvPr>
-        </p:nvSpPr>
-        <p:spPr/>
-        <p:txBody>
-          <a:bodyPr/>
-          <a:lstStyle/>
-          <a:p>
-            <a:r>
-              <a:rPr lang="en-US" dirty="0" smtClean="0"/>
               <a:t>Trunk based development</a:t>
             </a:r>
             <a:endParaRPr lang="en-US" dirty="0"/>
@@ -7185,7 +7074,7 @@
 </p:sld>
 </file>
 
-<file path=ppt/slides/slide25.xml><?xml version="1.0" encoding="utf-8"?>
+<file path=ppt/slides/slide24.xml><?xml version="1.0" encoding="utf-8"?>
 <p:sld xmlns:a="http://schemas.openxmlformats.org/drawingml/2006/main" xmlns:r="http://schemas.openxmlformats.org/officeDocument/2006/relationships" xmlns:p="http://schemas.openxmlformats.org/presentationml/2006/main">
   <p:cSld>
     <p:spTree>
@@ -7239,7 +7128,7 @@
 </p:sld>
 </file>
 
-<file path=ppt/slides/slide26.xml><?xml version="1.0" encoding="utf-8"?>
+<file path=ppt/slides/slide25.xml><?xml version="1.0" encoding="utf-8"?>
 <p:sld xmlns:a="http://schemas.openxmlformats.org/drawingml/2006/main" xmlns:r="http://schemas.openxmlformats.org/officeDocument/2006/relationships" xmlns:p="http://schemas.openxmlformats.org/presentationml/2006/main">
   <p:cSld>
     <p:spTree>
@@ -7293,7 +7182,7 @@
 </p:sld>
 </file>
 
-<file path=ppt/slides/slide27.xml><?xml version="1.0" encoding="utf-8"?>
+<file path=ppt/slides/slide26.xml><?xml version="1.0" encoding="utf-8"?>
 <p:sld xmlns:a="http://schemas.openxmlformats.org/drawingml/2006/main" xmlns:r="http://schemas.openxmlformats.org/officeDocument/2006/relationships" xmlns:p="http://schemas.openxmlformats.org/presentationml/2006/main">
   <p:cSld>
     <p:spTree>
@@ -7487,7 +7376,7 @@
 </p:sld>
 </file>
 
-<file path=ppt/slides/slide28.xml><?xml version="1.0" encoding="utf-8"?>
+<file path=ppt/slides/slide27.xml><?xml version="1.0" encoding="utf-8"?>
 <p:sld xmlns:a="http://schemas.openxmlformats.org/drawingml/2006/main" xmlns:r="http://schemas.openxmlformats.org/officeDocument/2006/relationships" xmlns:p="http://schemas.openxmlformats.org/presentationml/2006/main">
   <p:cSld>
     <p:spTree>
